--- a/test/output_standard_template.pptx
+++ b/test/output_standard_template.pptx
@@ -5801,7 +5801,7 @@
           <a:lstStyle/>
           <a:p>
             <a:r>
-              <a:t>從基礎到實務應用</a:t>
+              <a:t>從基礎到應用</a:t>
             </a:r>
           </a:p>
         </p:txBody>
@@ -5896,7 +5896,7 @@
           <a:lstStyle/>
           <a:p>
             <a:r>
-              <a:t>離散數學的核心概念</a:t>
+              <a:t>離散數學的背景與重要性</a:t>
             </a:r>
           </a:p>
         </p:txBody>
@@ -5917,27 +5917,22 @@
           <a:lstStyle/>
           <a:p>
             <a:r>
-              <a:t>離散結構涵蓋整數、圖、邏輯與集合等離散對象。</a:t>
+              <a:t>離散數學研究離散結構，如整數、圖、集合。</a:t>
             </a:r>
           </a:p>
           <a:p>
             <a:r>
-              <a:t>與連續數學區分，避免微分、積分等連續運算。</a:t>
+              <a:t>與連續數學區分，強調可計算性與可枚舉性。</a:t>
             </a:r>
           </a:p>
           <a:p>
             <a:r>
-              <a:t>交叉學科包括資訊理論、組合數學、圖論與抽象代數。</a:t>
+              <a:t>在計算機科學中描述離散運算與邏輯。</a:t>
             </a:r>
           </a:p>
           <a:p>
             <a:r>
-              <a:t>研究方法以遞迴、組合計數與邏輯推理為主。</a:t>
-            </a:r>
-          </a:p>
-          <a:p>
-            <a:r>
-              <a:t>目標是建立離散模型以支援計算與理論分析。</a:t>
+              <a:t>促進跨領域研究，如資訊理論與組合設計。</a:t>
             </a:r>
           </a:p>
         </p:txBody>
@@ -5988,7 +5983,7 @@
           <a:lstStyle/>
           <a:p>
             <a:r>
-              <a:t>背景脈絡與重要性</a:t>
+              <a:t>實際應用案例</a:t>
             </a:r>
           </a:p>
         </p:txBody>
@@ -6009,27 +6004,22 @@
           <a:lstStyle/>
           <a:p>
             <a:r>
-              <a:t>20 世紀初數學家開始系統化研究離散結構。</a:t>
+              <a:t>快速排序時間複雜度分析。</a:t>
             </a:r>
           </a:p>
           <a:p>
             <a:r>
-              <a:t>現代電腦科學的核心：算法、複雜度與可計算性。</a:t>
+              <a:t>PERT排程圖在項目管理。</a:t>
             </a:r>
           </a:p>
           <a:p>
             <a:r>
-              <a:t>密碼學、網路設計與資料庫等領域依賴離散數學。</a:t>
+              <a:t>RSA加密基於數論與質數。</a:t>
             </a:r>
           </a:p>
           <a:p>
             <a:r>
-              <a:t>離散數學是計算機科學課程的基礎教學內容。</a:t>
-            </a:r>
-          </a:p>
-          <a:p>
-            <a:r>
-              <a:t>離散化技術推動數值分析與模擬的進步。</a:t>
+              <a:t>影像壓縮利用離散傅立葉轉換。</a:t>
             </a:r>
           </a:p>
         </p:txBody>
@@ -6080,7 +6070,7 @@
           <a:lstStyle/>
           <a:p>
             <a:r>
-              <a:t>實際應用案例</a:t>
+              <a:t>常見挑戰與痛點</a:t>
             </a:r>
           </a:p>
         </p:txBody>
@@ -6101,27 +6091,22 @@
           <a:lstStyle/>
           <a:p>
             <a:r>
-              <a:t>圖論解七橋問題與網路路徑優化。</a:t>
+              <a:t>數學模型複雜度高，難以手算。</a:t>
             </a:r>
           </a:p>
           <a:p>
             <a:r>
-              <a:t>組合數學設計實驗室排程與PERT圖。</a:t>
+              <a:t>資料量大時排列組合爆炸。</a:t>
             </a:r>
           </a:p>
           <a:p>
             <a:r>
-              <a:t>數論在 RSA 加密與質數測試。</a:t>
+              <a:t>資源分配問題多變數難優化。</a:t>
             </a:r>
           </a:p>
           <a:p>
             <a:r>
-              <a:t>資訊理論設計高效編碼與錯誤檢測。</a:t>
-            </a:r>
-          </a:p>
-          <a:p>
-            <a:r>
-              <a:t>理論電腦科學中的複雜度分析與自動機。</a:t>
+              <a:t>連續與離散混合模型需平衡。</a:t>
             </a:r>
           </a:p>
         </p:txBody>
@@ -6172,7 +6157,7 @@
           <a:lstStyle/>
           <a:p>
             <a:r>
-              <a:t>挑戰與對策</a:t>
+              <a:t>解決方案與最佳實踐</a:t>
             </a:r>
           </a:p>
         </p:txBody>
@@ -6193,27 +6178,22 @@
           <a:lstStyle/>
           <a:p>
             <a:r>
-              <a:t>挑戰：離散模型複雜度高，計算資源需求大。</a:t>
+              <a:t>使用遞迴與差分方程簡化計算。</a:t>
             </a:r>
           </a:p>
           <a:p>
             <a:r>
-              <a:t>挑戰：實務資料不完整，模型假設難以驗證。</a:t>
+              <a:t>透過圖論求最短路徑與匹配。</a:t>
             </a:r>
           </a:p>
           <a:p>
             <a:r>
-              <a:t>挑戰：跨領域溝通障礙，專業術語不易共識。</a:t>
+              <a:t>採用組合設計降低組合爆炸。</a:t>
             </a:r>
           </a:p>
           <a:p>
             <a:r>
-              <a:t>對策：採用分層抽象與模組化設計，降低複雜度。</a:t>
-            </a:r>
-          </a:p>
-          <a:p>
-            <a:r>
-              <a:t>對策：結合機器學習提升資料預測與驗證效率。</a:t>
+              <a:t>交叉驗證理論與實驗提升可靠性。</a:t>
             </a:r>
           </a:p>
         </p:txBody>
@@ -6287,14 +6267,14 @@
             <a:pPr algn="ctr"/>
             <a:r>
               <a:rPr b="1" sz="2800"/>
-              <a:t>85%</a:t>
+              <a:t>80%</a:t>
             </a:r>
           </a:p>
           <a:p>
             <a:pPr algn="ctr"/>
             <a:r>
               <a:rPr sz="1100"/>
-              <a:t>課程滿意度</a:t>
+              <a:t>模型準確率提升</a:t>
             </a:r>
           </a:p>
         </p:txBody>
@@ -6317,14 +6297,14 @@
             <a:pPr algn="ctr"/>
             <a:r>
               <a:rPr b="1" sz="2800"/>
-              <a:t>30%</a:t>
+              <a:t>50%</a:t>
             </a:r>
           </a:p>
           <a:p>
             <a:pPr algn="ctr"/>
             <a:r>
               <a:rPr sz="1100"/>
-              <a:t>計算時間減少</a:t>
+              <a:t>計算時間縮減</a:t>
             </a:r>
           </a:p>
         </p:txBody>
@@ -6347,14 +6327,14 @@
             <a:pPr algn="ctr"/>
             <a:r>
               <a:rPr b="1" sz="2800"/>
-              <a:t>25%</a:t>
+              <a:t>30%</a:t>
             </a:r>
           </a:p>
           <a:p>
             <a:pPr algn="ctr"/>
             <a:r>
               <a:rPr sz="1100"/>
-              <a:t>錯誤率降低</a:t>
+              <a:t>資源利用率提升</a:t>
             </a:r>
           </a:p>
         </p:txBody>
@@ -6393,7 +6373,7 @@
           <a:lstStyle/>
           <a:p>
             <a:r>
-              <a:t>未來趨勢與結語</a:t>
+              <a:t>未來趨勢與發展方向</a:t>
             </a:r>
           </a:p>
         </p:txBody>
@@ -6412,26 +6392,7 @@
         <p:txBody>
           <a:bodyPr/>
           <a:lstStyle/>
-          <a:p>
-            <a:r>
-              <a:t>趨勢：離散數學將與人工智慧結合，推動自動化設計。</a:t>
-            </a:r>
-          </a:p>
-          <a:p>
-            <a:r>
-              <a:t>趨勢：量子計算興起，離散模型成為核心工具。</a:t>
-            </a:r>
-          </a:p>
-          <a:p>
-            <a:r>
-              <a:t>趨勢：雲端與大數據平台將離散化技術納入服務。</a:t>
-            </a:r>
-          </a:p>
-          <a:p>
-            <a:r>
-              <a:t>結語：離散數學不僅是理論基礎，更是創新與實務推動的關鍵。</a:t>
-            </a:r>
-          </a:p>
+          <a:p/>
         </p:txBody>
       </p:sp>
     </p:spTree>
